--- a/03_10_2020/3 октября презентация.pptx
+++ b/03_10_2020/3 октября презентация.pptx
@@ -117,6 +117,11 @@
       </a:defRPr>
     </a:lvl9pPr>
   </p:defaultTextStyle>
+  <p:extLst>
+    <p:ext uri="{EFAFB233-063F-42B5-8137-9DF3F51BA10A}">
+      <p15:sldGuideLst xmlns:p15="http://schemas.microsoft.com/office/powerpoint/2012/main"/>
+    </p:ext>
+  </p:extLst>
 </p:presentation>
 </file>
 
@@ -176,7 +181,7 @@
           <p:nvPr/>
         </p:nvPicPr>
         <p:blipFill>
-          <a:blip r:embed="rId3">
+          <a:blip r:embed="rId2">
             <a:extLst>
               <a:ext uri="{28A0092B-C50C-407E-A947-70E740481C1C}">
                 <a14:useLocalDpi xmlns:a14="http://schemas.microsoft.com/office/drawing/2010/main" val="0"/>
@@ -516,7 +521,7 @@
           <p:nvPr/>
         </p:nvPicPr>
         <p:blipFill>
-          <a:blip r:embed="rId3">
+          <a:blip r:embed="rId2">
             <a:extLst>
               <a:ext uri="{28A0092B-C50C-407E-A947-70E740481C1C}">
                 <a14:useLocalDpi xmlns:a14="http://schemas.microsoft.com/office/drawing/2010/main" val="0"/>
@@ -930,7 +935,7 @@
           <p:nvPr/>
         </p:nvPicPr>
         <p:blipFill>
-          <a:blip r:embed="rId3">
+          <a:blip r:embed="rId2">
             <a:extLst>
               <a:ext uri="{28A0092B-C50C-407E-A947-70E740481C1C}">
                 <a14:useLocalDpi xmlns:a14="http://schemas.microsoft.com/office/drawing/2010/main" val="0"/>
@@ -1266,7 +1271,7 @@
           <p:nvPr/>
         </p:nvPicPr>
         <p:blipFill>
-          <a:blip r:embed="rId3">
+          <a:blip r:embed="rId2">
             <a:extLst>
               <a:ext uri="{28A0092B-C50C-407E-A947-70E740481C1C}">
                 <a14:useLocalDpi xmlns:a14="http://schemas.microsoft.com/office/drawing/2010/main" val="0"/>
@@ -1903,7 +1908,7 @@
           <p:nvPr/>
         </p:nvPicPr>
         <p:blipFill>
-          <a:blip r:embed="rId3">
+          <a:blip r:embed="rId2">
             <a:extLst>
               <a:ext uri="{28A0092B-C50C-407E-A947-70E740481C1C}">
                 <a14:useLocalDpi xmlns:a14="http://schemas.microsoft.com/office/drawing/2010/main" val="0"/>
@@ -2239,7 +2244,7 @@
           <p:nvPr/>
         </p:nvPicPr>
         <p:blipFill>
-          <a:blip r:embed="rId3">
+          <a:blip r:embed="rId2">
             <a:extLst>
               <a:ext uri="{28A0092B-C50C-407E-A947-70E740481C1C}">
                 <a14:useLocalDpi xmlns:a14="http://schemas.microsoft.com/office/drawing/2010/main" val="0"/>
@@ -2915,7 +2920,7 @@
           <p:nvPr/>
         </p:nvPicPr>
         <p:blipFill>
-          <a:blip r:embed="rId3">
+          <a:blip r:embed="rId2">
             <a:extLst>
               <a:ext uri="{28A0092B-C50C-407E-A947-70E740481C1C}">
                 <a14:useLocalDpi xmlns:a14="http://schemas.microsoft.com/office/drawing/2010/main" val="0"/>
@@ -3828,7 +3833,7 @@
           <p:nvPr/>
         </p:nvPicPr>
         <p:blipFill>
-          <a:blip r:embed="rId3">
+          <a:blip r:embed="rId2">
             <a:extLst>
               <a:ext uri="{28A0092B-C50C-407E-A947-70E740481C1C}">
                 <a14:useLocalDpi xmlns:a14="http://schemas.microsoft.com/office/drawing/2010/main" val="0"/>
@@ -4419,7 +4424,7 @@
           <p:nvPr/>
         </p:nvPicPr>
         <p:blipFill>
-          <a:blip r:embed="rId3">
+          <a:blip r:embed="rId2">
             <a:extLst>
               <a:ext uri="{28A0092B-C50C-407E-A947-70E740481C1C}">
                 <a14:useLocalDpi xmlns:a14="http://schemas.microsoft.com/office/drawing/2010/main" val="0"/>
@@ -4728,7 +4733,7 @@
           <p:nvPr/>
         </p:nvPicPr>
         <p:blipFill>
-          <a:blip r:embed="rId3">
+          <a:blip r:embed="rId2">
             <a:extLst>
               <a:ext uri="{28A0092B-C50C-407E-A947-70E740481C1C}">
                 <a14:useLocalDpi xmlns:a14="http://schemas.microsoft.com/office/drawing/2010/main" val="0"/>
@@ -5122,7 +5127,7 @@
           <p:nvPr/>
         </p:nvPicPr>
         <p:blipFill>
-          <a:blip r:embed="rId3">
+          <a:blip r:embed="rId2">
             <a:extLst>
               <a:ext uri="{28A0092B-C50C-407E-A947-70E740481C1C}">
                 <a14:useLocalDpi xmlns:a14="http://schemas.microsoft.com/office/drawing/2010/main" val="0"/>
@@ -5493,7 +5498,7 @@
           <p:nvPr/>
         </p:nvPicPr>
         <p:blipFill>
-          <a:blip r:embed="rId3">
+          <a:blip r:embed="rId2">
             <a:extLst>
               <a:ext uri="{28A0092B-C50C-407E-A947-70E740481C1C}">
                 <a14:useLocalDpi xmlns:a14="http://schemas.microsoft.com/office/drawing/2010/main" val="0"/>
@@ -5999,7 +6004,7 @@
           <p:nvPr/>
         </p:nvPicPr>
         <p:blipFill>
-          <a:blip r:embed="rId3">
+          <a:blip r:embed="rId2">
             <a:extLst>
               <a:ext uri="{28A0092B-C50C-407E-A947-70E740481C1C}">
                 <a14:useLocalDpi xmlns:a14="http://schemas.microsoft.com/office/drawing/2010/main" val="0"/>
@@ -6419,7 +6424,7 @@
           <p:nvPr/>
         </p:nvPicPr>
         <p:blipFill>
-          <a:blip r:embed="rId3">
+          <a:blip r:embed="rId2">
             <a:extLst>
               <a:ext uri="{28A0092B-C50C-407E-A947-70E740481C1C}">
                 <a14:useLocalDpi xmlns:a14="http://schemas.microsoft.com/office/drawing/2010/main" val="0"/>
@@ -6809,7 +6814,7 @@
           <p:nvPr/>
         </p:nvPicPr>
         <p:blipFill>
-          <a:blip r:embed="rId3">
+          <a:blip r:embed="rId2">
             <a:extLst>
               <a:ext uri="{28A0092B-C50C-407E-A947-70E740481C1C}">
                 <a14:useLocalDpi xmlns:a14="http://schemas.microsoft.com/office/drawing/2010/main" val="0"/>
@@ -10386,7 +10391,7 @@
                 <a:latin typeface="Courier New" panose="02070309020205020404" pitchFamily="49" charset="0"/>
                 <a:cs typeface="Courier New" panose="02070309020205020404" pitchFamily="49" charset="0"/>
               </a:rPr>
-              <a:t>([{"name": "</a:t>
+              <a:t>({"name": "</a:t>
             </a:r>
             <a:r>
               <a:rPr lang="ru-RU" dirty="0">
